--- a/English/4. Analysing data/4.Bins.pptx
+++ b/English/4. Analysing data/4.Bins.pptx
@@ -205,7 +205,7 @@
           <a:p>
             <a:fld id="{056BA3B8-9F76-4D81-B71D-76CB85363062}" type="datetimeFigureOut">
               <a:rPr lang="en-US" smtClean="0"/>
-              <a:t>1/3/2025</a:t>
+              <a:t>4/3/2025</a:t>
             </a:fld>
             <a:endParaRPr lang="en-US"/>
           </a:p>
@@ -688,7 +688,7 @@
           <a:p>
             <a:fld id="{6F01DA4D-20EA-48D2-973C-0311EC3005D6}" type="datetimeFigureOut">
               <a:rPr lang="en-US" smtClean="0"/>
-              <a:t>1/3/2025</a:t>
+              <a:t>4/3/2025</a:t>
             </a:fld>
             <a:endParaRPr lang="en-US"/>
           </a:p>
@@ -858,7 +858,7 @@
           <a:p>
             <a:fld id="{6F01DA4D-20EA-48D2-973C-0311EC3005D6}" type="datetimeFigureOut">
               <a:rPr lang="en-US" smtClean="0"/>
-              <a:t>1/3/2025</a:t>
+              <a:t>4/3/2025</a:t>
             </a:fld>
             <a:endParaRPr lang="en-US"/>
           </a:p>
@@ -1038,7 +1038,7 @@
           <a:p>
             <a:fld id="{6F01DA4D-20EA-48D2-973C-0311EC3005D6}" type="datetimeFigureOut">
               <a:rPr lang="en-US" smtClean="0"/>
-              <a:t>1/3/2025</a:t>
+              <a:t>4/3/2025</a:t>
             </a:fld>
             <a:endParaRPr lang="en-US"/>
           </a:p>
@@ -1208,7 +1208,7 @@
           <a:p>
             <a:fld id="{6F01DA4D-20EA-48D2-973C-0311EC3005D6}" type="datetimeFigureOut">
               <a:rPr lang="en-US" smtClean="0"/>
-              <a:t>1/3/2025</a:t>
+              <a:t>4/3/2025</a:t>
             </a:fld>
             <a:endParaRPr lang="en-US"/>
           </a:p>
@@ -1454,7 +1454,7 @@
           <a:p>
             <a:fld id="{6F01DA4D-20EA-48D2-973C-0311EC3005D6}" type="datetimeFigureOut">
               <a:rPr lang="en-US" smtClean="0"/>
-              <a:t>1/3/2025</a:t>
+              <a:t>4/3/2025</a:t>
             </a:fld>
             <a:endParaRPr lang="en-US"/>
           </a:p>
@@ -1686,7 +1686,7 @@
           <a:p>
             <a:fld id="{6F01DA4D-20EA-48D2-973C-0311EC3005D6}" type="datetimeFigureOut">
               <a:rPr lang="en-US" smtClean="0"/>
-              <a:t>1/3/2025</a:t>
+              <a:t>4/3/2025</a:t>
             </a:fld>
             <a:endParaRPr lang="en-US"/>
           </a:p>
@@ -2053,7 +2053,7 @@
           <a:p>
             <a:fld id="{6F01DA4D-20EA-48D2-973C-0311EC3005D6}" type="datetimeFigureOut">
               <a:rPr lang="en-US" smtClean="0"/>
-              <a:t>1/3/2025</a:t>
+              <a:t>4/3/2025</a:t>
             </a:fld>
             <a:endParaRPr lang="en-US"/>
           </a:p>
@@ -2171,7 +2171,7 @@
           <a:p>
             <a:fld id="{6F01DA4D-20EA-48D2-973C-0311EC3005D6}" type="datetimeFigureOut">
               <a:rPr lang="en-US" smtClean="0"/>
-              <a:t>1/3/2025</a:t>
+              <a:t>4/3/2025</a:t>
             </a:fld>
             <a:endParaRPr lang="en-US"/>
           </a:p>
@@ -2266,7 +2266,7 @@
           <a:p>
             <a:fld id="{6F01DA4D-20EA-48D2-973C-0311EC3005D6}" type="datetimeFigureOut">
               <a:rPr lang="en-US" smtClean="0"/>
-              <a:t>1/3/2025</a:t>
+              <a:t>4/3/2025</a:t>
             </a:fld>
             <a:endParaRPr lang="en-US"/>
           </a:p>
@@ -2543,7 +2543,7 @@
           <a:p>
             <a:fld id="{6F01DA4D-20EA-48D2-973C-0311EC3005D6}" type="datetimeFigureOut">
               <a:rPr lang="en-US" smtClean="0"/>
-              <a:t>1/3/2025</a:t>
+              <a:t>4/3/2025</a:t>
             </a:fld>
             <a:endParaRPr lang="en-US"/>
           </a:p>
@@ -2796,7 +2796,7 @@
           <a:p>
             <a:fld id="{6F01DA4D-20EA-48D2-973C-0311EC3005D6}" type="datetimeFigureOut">
               <a:rPr lang="en-US" smtClean="0"/>
-              <a:t>1/3/2025</a:t>
+              <a:t>4/3/2025</a:t>
             </a:fld>
             <a:endParaRPr lang="en-US"/>
           </a:p>
@@ -3009,7 +3009,7 @@
           <a:p>
             <a:fld id="{6F01DA4D-20EA-48D2-973C-0311EC3005D6}" type="datetimeFigureOut">
               <a:rPr lang="en-US" smtClean="0"/>
-              <a:t>1/3/2025</a:t>
+              <a:t>4/3/2025</a:t>
             </a:fld>
             <a:endParaRPr lang="en-US"/>
           </a:p>
